--- a/meBOP_StudentPresentations/mebop2017_Moghrabi.pptx
+++ b/meBOP_StudentPresentations/mebop2017_Moghrabi.pptx
@@ -5,19 +5,21 @@
     <p:sldMasterId id="2147483648" r:id="rId1"/>
   </p:sldMasterIdLst>
   <p:notesMasterIdLst>
-    <p:notesMasterId r:id="rId12"/>
+    <p:notesMasterId r:id="rId14"/>
   </p:notesMasterIdLst>
   <p:sldIdLst>
     <p:sldId id="256" r:id="rId2"/>
     <p:sldId id="269" r:id="rId3"/>
-    <p:sldId id="257" r:id="rId4"/>
-    <p:sldId id="263" r:id="rId5"/>
-    <p:sldId id="264" r:id="rId6"/>
-    <p:sldId id="265" r:id="rId7"/>
-    <p:sldId id="266" r:id="rId8"/>
-    <p:sldId id="267" r:id="rId9"/>
-    <p:sldId id="262" r:id="rId10"/>
-    <p:sldId id="268" r:id="rId11"/>
+    <p:sldId id="270" r:id="rId4"/>
+    <p:sldId id="257" r:id="rId5"/>
+    <p:sldId id="271" r:id="rId6"/>
+    <p:sldId id="263" r:id="rId7"/>
+    <p:sldId id="264" r:id="rId8"/>
+    <p:sldId id="265" r:id="rId9"/>
+    <p:sldId id="266" r:id="rId10"/>
+    <p:sldId id="267" r:id="rId11"/>
+    <p:sldId id="262" r:id="rId12"/>
+    <p:sldId id="268" r:id="rId13"/>
   </p:sldIdLst>
   <p:sldSz cx="9144000" cy="6858000" type="screen4x3"/>
   <p:notesSz cx="6858000" cy="9144000"/>
@@ -116,6 +118,22 @@
       </a:defRPr>
     </a:lvl9pPr>
   </p:defaultTextStyle>
+  <p:extLst>
+    <p:ext uri="{EFAFB233-063F-42B5-8137-9DF3F51BA10A}">
+      <p15:sldGuideLst xmlns:p15="http://schemas.microsoft.com/office/powerpoint/2012/main">
+        <p15:guide id="1" orient="horz" pos="2160">
+          <p15:clr>
+            <a:srgbClr val="A4A3A4"/>
+          </p15:clr>
+        </p15:guide>
+        <p15:guide id="2" pos="2880">
+          <p15:clr>
+            <a:srgbClr val="A4A3A4"/>
+          </p15:clr>
+        </p15:guide>
+      </p15:sldGuideLst>
+    </p:ext>
+  </p:extLst>
 </p:presentation>
 </file>
 
@@ -202,7 +220,7 @@
             <a:fld id="{20C88190-CE20-4AC4-9FBD-7F5D8E541BFA}" type="datetimeFigureOut">
               <a:rPr lang="ar-SA" smtClean="0"/>
               <a:pPr/>
-              <a:t>26/10/1438</a:t>
+              <a:t>02/11/1438</a:t>
             </a:fld>
             <a:endParaRPr lang="ar-SA"/>
           </a:p>
@@ -268,38 +286,37 @@
           <a:p>
             <a:pPr lvl="0"/>
             <a:r>
-              <a:rPr lang="ar-SA" smtClean="0"/>
+              <a:rPr lang="ar-SA"/>
               <a:t>انقر لتحرير أنماط النص الرئيسي</a:t>
             </a:r>
           </a:p>
           <a:p>
             <a:pPr lvl="1"/>
             <a:r>
-              <a:rPr lang="ar-SA" smtClean="0"/>
+              <a:rPr lang="ar-SA"/>
               <a:t>المستوى الثاني</a:t>
             </a:r>
           </a:p>
           <a:p>
             <a:pPr lvl="2"/>
             <a:r>
-              <a:rPr lang="ar-SA" smtClean="0"/>
+              <a:rPr lang="ar-SA"/>
               <a:t>المستوى الثالث</a:t>
             </a:r>
           </a:p>
           <a:p>
             <a:pPr lvl="3"/>
             <a:r>
-              <a:rPr lang="ar-SA" smtClean="0"/>
+              <a:rPr lang="ar-SA"/>
               <a:t>المستوى الرابع</a:t>
             </a:r>
           </a:p>
           <a:p>
             <a:pPr lvl="4"/>
             <a:r>
-              <a:rPr lang="ar-SA" smtClean="0"/>
+              <a:rPr lang="ar-SA"/>
               <a:t>المستوى الخامس</a:t>
             </a:r>
-            <a:endParaRPr lang="ar-SA"/>
           </a:p>
         </p:txBody>
       </p:sp>
@@ -515,40 +532,40 @@
           <a:lstStyle/>
           <a:p>
             <a:r>
-              <a:rPr lang="en-US" dirty="0" smtClean="0"/>
+              <a:rPr lang="en-US" dirty="0"/>
               <a:t>Pursue</a:t>
             </a:r>
             <a:r>
-              <a:rPr lang="en-US" baseline="0" dirty="0" smtClean="0"/>
+              <a:rPr lang="en-US" baseline="0" dirty="0"/>
               <a:t> a </a:t>
             </a:r>
             <a:r>
-              <a:rPr lang="en-US" baseline="0" dirty="0" err="1" smtClean="0"/>
+              <a:rPr lang="en-US" baseline="0" dirty="0" err="1"/>
               <a:t>phd</a:t>
             </a:r>
-            <a:endParaRPr lang="en-US" baseline="0" dirty="0" smtClean="0"/>
-          </a:p>
-          <a:p>
-            <a:r>
-              <a:rPr lang="en-US" baseline="0" dirty="0" smtClean="0"/>
+            <a:endParaRPr lang="en-US" baseline="0" dirty="0"/>
+          </a:p>
+          <a:p>
+            <a:r>
+              <a:rPr lang="en-US" baseline="0" dirty="0"/>
               <a:t>Specialize in </a:t>
             </a:r>
             <a:r>
-              <a:rPr lang="en-US" baseline="0" dirty="0" err="1" smtClean="0"/>
+              <a:rPr lang="en-US" baseline="0" dirty="0" err="1"/>
               <a:t>im</a:t>
             </a:r>
-            <a:endParaRPr lang="en-US" baseline="0" dirty="0" smtClean="0"/>
-          </a:p>
-          <a:p>
-            <a:r>
-              <a:rPr lang="en-US" baseline="0" dirty="0" smtClean="0"/>
+            <a:endParaRPr lang="en-US" baseline="0" dirty="0"/>
+          </a:p>
+          <a:p>
+            <a:r>
+              <a:rPr lang="en-US" baseline="0" dirty="0"/>
               <a:t>Expand my knowledge and build on my research skills</a:t>
             </a:r>
-            <a:endParaRPr lang="ar-SA" baseline="0" dirty="0" smtClean="0"/>
-          </a:p>
-          <a:p>
-            <a:r>
-              <a:rPr lang="en-US" baseline="0" dirty="0" smtClean="0"/>
+            <a:endParaRPr lang="ar-SA" baseline="0" dirty="0"/>
+          </a:p>
+          <a:p>
+            <a:r>
+              <a:rPr lang="en-US" baseline="0" dirty="0"/>
               <a:t>Want to dabble in the clinical and academic world of medicine</a:t>
             </a:r>
             <a:endParaRPr lang="ar-SA" dirty="0"/>
@@ -573,7 +590,7 @@
             <a:fld id="{D03BA91A-D867-4964-9B04-CE0E02B9EC6A}" type="slidenum">
               <a:rPr lang="ar-SA" smtClean="0"/>
               <a:pPr/>
-              <a:t>3</a:t>
+              <a:t>4</a:t>
             </a:fld>
             <a:endParaRPr lang="ar-SA"/>
           </a:p>
@@ -625,10 +642,9 @@
           <a:lstStyle/>
           <a:p>
             <a:r>
-              <a:rPr lang="ar-SA" smtClean="0"/>
+              <a:rPr lang="ar-SA"/>
               <a:t>انقر لتحرير نمط العنوان الرئيسي</a:t>
             </a:r>
-            <a:endParaRPr lang="ar-SA"/>
           </a:p>
         </p:txBody>
       </p:sp>
@@ -744,10 +760,9 @@
           </a:lstStyle>
           <a:p>
             <a:r>
-              <a:rPr lang="ar-SA" smtClean="0"/>
+              <a:rPr lang="ar-SA"/>
               <a:t>انقر لتحرير نمط العنوان الثانوي الرئيسي</a:t>
             </a:r>
-            <a:endParaRPr lang="ar-SA"/>
           </a:p>
         </p:txBody>
       </p:sp>
@@ -769,7 +784,7 @@
             <a:fld id="{1B8ABB09-4A1D-463E-8065-109CC2B7EFAA}" type="datetimeFigureOut">
               <a:rPr lang="ar-SA" smtClean="0"/>
               <a:pPr/>
-              <a:t>26/10/1438</a:t>
+              <a:t>02/11/1438</a:t>
             </a:fld>
             <a:endParaRPr lang="ar-SA"/>
           </a:p>
@@ -859,10 +874,9 @@
           <a:lstStyle/>
           <a:p>
             <a:r>
-              <a:rPr lang="ar-SA" smtClean="0"/>
+              <a:rPr lang="ar-SA"/>
               <a:t>انقر لتحرير نمط العنوان الرئيسي</a:t>
             </a:r>
-            <a:endParaRPr lang="ar-SA"/>
           </a:p>
         </p:txBody>
       </p:sp>
@@ -883,38 +897,37 @@
           <a:p>
             <a:pPr lvl="0"/>
             <a:r>
-              <a:rPr lang="ar-SA" smtClean="0"/>
+              <a:rPr lang="ar-SA"/>
               <a:t>انقر لتحرير أنماط النص الرئيسي</a:t>
             </a:r>
           </a:p>
           <a:p>
             <a:pPr lvl="1"/>
             <a:r>
-              <a:rPr lang="ar-SA" smtClean="0"/>
+              <a:rPr lang="ar-SA"/>
               <a:t>المستوى الثاني</a:t>
             </a:r>
           </a:p>
           <a:p>
             <a:pPr lvl="2"/>
             <a:r>
-              <a:rPr lang="ar-SA" smtClean="0"/>
+              <a:rPr lang="ar-SA"/>
               <a:t>المستوى الثالث</a:t>
             </a:r>
           </a:p>
           <a:p>
             <a:pPr lvl="3"/>
             <a:r>
-              <a:rPr lang="ar-SA" smtClean="0"/>
+              <a:rPr lang="ar-SA"/>
               <a:t>المستوى الرابع</a:t>
             </a:r>
           </a:p>
           <a:p>
             <a:pPr lvl="4"/>
             <a:r>
-              <a:rPr lang="ar-SA" smtClean="0"/>
+              <a:rPr lang="ar-SA"/>
               <a:t>المستوى الخامس</a:t>
             </a:r>
-            <a:endParaRPr lang="ar-SA"/>
           </a:p>
         </p:txBody>
       </p:sp>
@@ -936,7 +949,7 @@
             <a:fld id="{1B8ABB09-4A1D-463E-8065-109CC2B7EFAA}" type="datetimeFigureOut">
               <a:rPr lang="ar-SA" smtClean="0"/>
               <a:pPr/>
-              <a:t>26/10/1438</a:t>
+              <a:t>02/11/1438</a:t>
             </a:fld>
             <a:endParaRPr lang="ar-SA"/>
           </a:p>
@@ -1031,10 +1044,9 @@
           <a:lstStyle/>
           <a:p>
             <a:r>
-              <a:rPr lang="ar-SA" smtClean="0"/>
+              <a:rPr lang="ar-SA"/>
               <a:t>انقر لتحرير نمط العنوان الرئيسي</a:t>
             </a:r>
-            <a:endParaRPr lang="ar-SA"/>
           </a:p>
         </p:txBody>
       </p:sp>
@@ -1060,38 +1072,37 @@
           <a:p>
             <a:pPr lvl="0"/>
             <a:r>
-              <a:rPr lang="ar-SA" smtClean="0"/>
+              <a:rPr lang="ar-SA"/>
               <a:t>انقر لتحرير أنماط النص الرئيسي</a:t>
             </a:r>
           </a:p>
           <a:p>
             <a:pPr lvl="1"/>
             <a:r>
-              <a:rPr lang="ar-SA" smtClean="0"/>
+              <a:rPr lang="ar-SA"/>
               <a:t>المستوى الثاني</a:t>
             </a:r>
           </a:p>
           <a:p>
             <a:pPr lvl="2"/>
             <a:r>
-              <a:rPr lang="ar-SA" smtClean="0"/>
+              <a:rPr lang="ar-SA"/>
               <a:t>المستوى الثالث</a:t>
             </a:r>
           </a:p>
           <a:p>
             <a:pPr lvl="3"/>
             <a:r>
-              <a:rPr lang="ar-SA" smtClean="0"/>
+              <a:rPr lang="ar-SA"/>
               <a:t>المستوى الرابع</a:t>
             </a:r>
           </a:p>
           <a:p>
             <a:pPr lvl="4"/>
             <a:r>
-              <a:rPr lang="ar-SA" smtClean="0"/>
+              <a:rPr lang="ar-SA"/>
               <a:t>المستوى الخامس</a:t>
             </a:r>
-            <a:endParaRPr lang="ar-SA"/>
           </a:p>
         </p:txBody>
       </p:sp>
@@ -1113,7 +1124,7 @@
             <a:fld id="{1B8ABB09-4A1D-463E-8065-109CC2B7EFAA}" type="datetimeFigureOut">
               <a:rPr lang="ar-SA" smtClean="0"/>
               <a:pPr/>
-              <a:t>26/10/1438</a:t>
+              <a:t>02/11/1438</a:t>
             </a:fld>
             <a:endParaRPr lang="ar-SA"/>
           </a:p>
@@ -1203,10 +1214,9 @@
           <a:lstStyle/>
           <a:p>
             <a:r>
-              <a:rPr lang="ar-SA" smtClean="0"/>
+              <a:rPr lang="ar-SA"/>
               <a:t>انقر لتحرير نمط العنوان الرئيسي</a:t>
             </a:r>
-            <a:endParaRPr lang="ar-SA"/>
           </a:p>
         </p:txBody>
       </p:sp>
@@ -1227,38 +1237,37 @@
           <a:p>
             <a:pPr lvl="0"/>
             <a:r>
-              <a:rPr lang="ar-SA" smtClean="0"/>
+              <a:rPr lang="ar-SA"/>
               <a:t>انقر لتحرير أنماط النص الرئيسي</a:t>
             </a:r>
           </a:p>
           <a:p>
             <a:pPr lvl="1"/>
             <a:r>
-              <a:rPr lang="ar-SA" smtClean="0"/>
+              <a:rPr lang="ar-SA"/>
               <a:t>المستوى الثاني</a:t>
             </a:r>
           </a:p>
           <a:p>
             <a:pPr lvl="2"/>
             <a:r>
-              <a:rPr lang="ar-SA" smtClean="0"/>
+              <a:rPr lang="ar-SA"/>
               <a:t>المستوى الثالث</a:t>
             </a:r>
           </a:p>
           <a:p>
             <a:pPr lvl="3"/>
             <a:r>
-              <a:rPr lang="ar-SA" smtClean="0"/>
+              <a:rPr lang="ar-SA"/>
               <a:t>المستوى الرابع</a:t>
             </a:r>
           </a:p>
           <a:p>
             <a:pPr lvl="4"/>
             <a:r>
-              <a:rPr lang="ar-SA" smtClean="0"/>
+              <a:rPr lang="ar-SA"/>
               <a:t>المستوى الخامس</a:t>
             </a:r>
-            <a:endParaRPr lang="ar-SA"/>
           </a:p>
         </p:txBody>
       </p:sp>
@@ -1280,7 +1289,7 @@
             <a:fld id="{1B8ABB09-4A1D-463E-8065-109CC2B7EFAA}" type="datetimeFigureOut">
               <a:rPr lang="ar-SA" smtClean="0"/>
               <a:pPr/>
-              <a:t>26/10/1438</a:t>
+              <a:t>02/11/1438</a:t>
             </a:fld>
             <a:endParaRPr lang="ar-SA"/>
           </a:p>
@@ -1379,10 +1388,9 @@
           </a:lstStyle>
           <a:p>
             <a:r>
-              <a:rPr lang="ar-SA" smtClean="0"/>
+              <a:rPr lang="ar-SA"/>
               <a:t>انقر لتحرير نمط العنوان الرئيسي</a:t>
             </a:r>
-            <a:endParaRPr lang="ar-SA"/>
           </a:p>
         </p:txBody>
       </p:sp>
@@ -1499,7 +1507,7 @@
           <a:p>
             <a:pPr lvl="0"/>
             <a:r>
-              <a:rPr lang="ar-SA" smtClean="0"/>
+              <a:rPr lang="ar-SA"/>
               <a:t>انقر لتحرير أنماط النص الرئيسي</a:t>
             </a:r>
           </a:p>
@@ -1523,7 +1531,7 @@
             <a:fld id="{1B8ABB09-4A1D-463E-8065-109CC2B7EFAA}" type="datetimeFigureOut">
               <a:rPr lang="ar-SA" smtClean="0"/>
               <a:pPr/>
-              <a:t>26/10/1438</a:t>
+              <a:t>02/11/1438</a:t>
             </a:fld>
             <a:endParaRPr lang="ar-SA"/>
           </a:p>
@@ -1613,10 +1621,9 @@
           <a:lstStyle/>
           <a:p>
             <a:r>
-              <a:rPr lang="ar-SA" smtClean="0"/>
+              <a:rPr lang="ar-SA"/>
               <a:t>انقر لتحرير نمط العنوان الرئيسي</a:t>
             </a:r>
-            <a:endParaRPr lang="ar-SA"/>
           </a:p>
         </p:txBody>
       </p:sp>
@@ -1670,38 +1677,37 @@
           <a:p>
             <a:pPr lvl="0"/>
             <a:r>
-              <a:rPr lang="ar-SA" smtClean="0"/>
+              <a:rPr lang="ar-SA"/>
               <a:t>انقر لتحرير أنماط النص الرئيسي</a:t>
             </a:r>
           </a:p>
           <a:p>
             <a:pPr lvl="1"/>
             <a:r>
-              <a:rPr lang="ar-SA" smtClean="0"/>
+              <a:rPr lang="ar-SA"/>
               <a:t>المستوى الثاني</a:t>
             </a:r>
           </a:p>
           <a:p>
             <a:pPr lvl="2"/>
             <a:r>
-              <a:rPr lang="ar-SA" smtClean="0"/>
+              <a:rPr lang="ar-SA"/>
               <a:t>المستوى الثالث</a:t>
             </a:r>
           </a:p>
           <a:p>
             <a:pPr lvl="3"/>
             <a:r>
-              <a:rPr lang="ar-SA" smtClean="0"/>
+              <a:rPr lang="ar-SA"/>
               <a:t>المستوى الرابع</a:t>
             </a:r>
           </a:p>
           <a:p>
             <a:pPr lvl="4"/>
             <a:r>
-              <a:rPr lang="ar-SA" smtClean="0"/>
+              <a:rPr lang="ar-SA"/>
               <a:t>المستوى الخامس</a:t>
             </a:r>
-            <a:endParaRPr lang="ar-SA"/>
           </a:p>
         </p:txBody>
       </p:sp>
@@ -1755,38 +1761,37 @@
           <a:p>
             <a:pPr lvl="0"/>
             <a:r>
-              <a:rPr lang="ar-SA" smtClean="0"/>
+              <a:rPr lang="ar-SA"/>
               <a:t>انقر لتحرير أنماط النص الرئيسي</a:t>
             </a:r>
           </a:p>
           <a:p>
             <a:pPr lvl="1"/>
             <a:r>
-              <a:rPr lang="ar-SA" smtClean="0"/>
+              <a:rPr lang="ar-SA"/>
               <a:t>المستوى الثاني</a:t>
             </a:r>
           </a:p>
           <a:p>
             <a:pPr lvl="2"/>
             <a:r>
-              <a:rPr lang="ar-SA" smtClean="0"/>
+              <a:rPr lang="ar-SA"/>
               <a:t>المستوى الثالث</a:t>
             </a:r>
           </a:p>
           <a:p>
             <a:pPr lvl="3"/>
             <a:r>
-              <a:rPr lang="ar-SA" smtClean="0"/>
+              <a:rPr lang="ar-SA"/>
               <a:t>المستوى الرابع</a:t>
             </a:r>
           </a:p>
           <a:p>
             <a:pPr lvl="4"/>
             <a:r>
-              <a:rPr lang="ar-SA" smtClean="0"/>
+              <a:rPr lang="ar-SA"/>
               <a:t>المستوى الخامس</a:t>
             </a:r>
-            <a:endParaRPr lang="ar-SA"/>
           </a:p>
         </p:txBody>
       </p:sp>
@@ -1808,7 +1813,7 @@
             <a:fld id="{1B8ABB09-4A1D-463E-8065-109CC2B7EFAA}" type="datetimeFigureOut">
               <a:rPr lang="ar-SA" smtClean="0"/>
               <a:pPr/>
-              <a:t>26/10/1438</a:t>
+              <a:t>02/11/1438</a:t>
             </a:fld>
             <a:endParaRPr lang="ar-SA"/>
           </a:p>
@@ -1902,10 +1907,9 @@
           </a:lstStyle>
           <a:p>
             <a:r>
-              <a:rPr lang="ar-SA" smtClean="0"/>
+              <a:rPr lang="ar-SA"/>
               <a:t>انقر لتحرير نمط العنوان الرئيسي</a:t>
             </a:r>
-            <a:endParaRPr lang="ar-SA"/>
           </a:p>
         </p:txBody>
       </p:sp>
@@ -1968,7 +1972,7 @@
           <a:p>
             <a:pPr lvl="0"/>
             <a:r>
-              <a:rPr lang="ar-SA" smtClean="0"/>
+              <a:rPr lang="ar-SA"/>
               <a:t>انقر لتحرير أنماط النص الرئيسي</a:t>
             </a:r>
           </a:p>
@@ -2024,38 +2028,37 @@
           <a:p>
             <a:pPr lvl="0"/>
             <a:r>
-              <a:rPr lang="ar-SA" smtClean="0"/>
+              <a:rPr lang="ar-SA"/>
               <a:t>انقر لتحرير أنماط النص الرئيسي</a:t>
             </a:r>
           </a:p>
           <a:p>
             <a:pPr lvl="1"/>
             <a:r>
-              <a:rPr lang="ar-SA" smtClean="0"/>
+              <a:rPr lang="ar-SA"/>
               <a:t>المستوى الثاني</a:t>
             </a:r>
           </a:p>
           <a:p>
             <a:pPr lvl="2"/>
             <a:r>
-              <a:rPr lang="ar-SA" smtClean="0"/>
+              <a:rPr lang="ar-SA"/>
               <a:t>المستوى الثالث</a:t>
             </a:r>
           </a:p>
           <a:p>
             <a:pPr lvl="3"/>
             <a:r>
-              <a:rPr lang="ar-SA" smtClean="0"/>
+              <a:rPr lang="ar-SA"/>
               <a:t>المستوى الرابع</a:t>
             </a:r>
           </a:p>
           <a:p>
             <a:pPr lvl="4"/>
             <a:r>
-              <a:rPr lang="ar-SA" smtClean="0"/>
+              <a:rPr lang="ar-SA"/>
               <a:t>المستوى الخامس</a:t>
             </a:r>
-            <a:endParaRPr lang="ar-SA"/>
           </a:p>
         </p:txBody>
       </p:sp>
@@ -2118,7 +2121,7 @@
           <a:p>
             <a:pPr lvl="0"/>
             <a:r>
-              <a:rPr lang="ar-SA" smtClean="0"/>
+              <a:rPr lang="ar-SA"/>
               <a:t>انقر لتحرير أنماط النص الرئيسي</a:t>
             </a:r>
           </a:p>
@@ -2174,38 +2177,37 @@
           <a:p>
             <a:pPr lvl="0"/>
             <a:r>
-              <a:rPr lang="ar-SA" smtClean="0"/>
+              <a:rPr lang="ar-SA"/>
               <a:t>انقر لتحرير أنماط النص الرئيسي</a:t>
             </a:r>
           </a:p>
           <a:p>
             <a:pPr lvl="1"/>
             <a:r>
-              <a:rPr lang="ar-SA" smtClean="0"/>
+              <a:rPr lang="ar-SA"/>
               <a:t>المستوى الثاني</a:t>
             </a:r>
           </a:p>
           <a:p>
             <a:pPr lvl="2"/>
             <a:r>
-              <a:rPr lang="ar-SA" smtClean="0"/>
+              <a:rPr lang="ar-SA"/>
               <a:t>المستوى الثالث</a:t>
             </a:r>
           </a:p>
           <a:p>
             <a:pPr lvl="3"/>
             <a:r>
-              <a:rPr lang="ar-SA" smtClean="0"/>
+              <a:rPr lang="ar-SA"/>
               <a:t>المستوى الرابع</a:t>
             </a:r>
           </a:p>
           <a:p>
             <a:pPr lvl="4"/>
             <a:r>
-              <a:rPr lang="ar-SA" smtClean="0"/>
+              <a:rPr lang="ar-SA"/>
               <a:t>المستوى الخامس</a:t>
             </a:r>
-            <a:endParaRPr lang="ar-SA"/>
           </a:p>
         </p:txBody>
       </p:sp>
@@ -2227,7 +2229,7 @@
             <a:fld id="{1B8ABB09-4A1D-463E-8065-109CC2B7EFAA}" type="datetimeFigureOut">
               <a:rPr lang="ar-SA" smtClean="0"/>
               <a:pPr/>
-              <a:t>26/10/1438</a:t>
+              <a:t>02/11/1438</a:t>
             </a:fld>
             <a:endParaRPr lang="ar-SA"/>
           </a:p>
@@ -2317,10 +2319,9 @@
           <a:lstStyle/>
           <a:p>
             <a:r>
-              <a:rPr lang="ar-SA" smtClean="0"/>
+              <a:rPr lang="ar-SA"/>
               <a:t>انقر لتحرير نمط العنوان الرئيسي</a:t>
             </a:r>
-            <a:endParaRPr lang="ar-SA"/>
           </a:p>
         </p:txBody>
       </p:sp>
@@ -2342,7 +2343,7 @@
             <a:fld id="{1B8ABB09-4A1D-463E-8065-109CC2B7EFAA}" type="datetimeFigureOut">
               <a:rPr lang="ar-SA" smtClean="0"/>
               <a:pPr/>
-              <a:t>26/10/1438</a:t>
+              <a:t>02/11/1438</a:t>
             </a:fld>
             <a:endParaRPr lang="ar-SA"/>
           </a:p>
@@ -2434,7 +2435,7 @@
             <a:fld id="{1B8ABB09-4A1D-463E-8065-109CC2B7EFAA}" type="datetimeFigureOut">
               <a:rPr lang="ar-SA" smtClean="0"/>
               <a:pPr/>
-              <a:t>26/10/1438</a:t>
+              <a:t>02/11/1438</a:t>
             </a:fld>
             <a:endParaRPr lang="ar-SA"/>
           </a:p>
@@ -2533,10 +2534,9 @@
           </a:lstStyle>
           <a:p>
             <a:r>
-              <a:rPr lang="ar-SA" smtClean="0"/>
+              <a:rPr lang="ar-SA"/>
               <a:t>انقر لتحرير نمط العنوان الرئيسي</a:t>
             </a:r>
-            <a:endParaRPr lang="ar-SA"/>
           </a:p>
         </p:txBody>
       </p:sp>
@@ -2590,38 +2590,37 @@
           <a:p>
             <a:pPr lvl="0"/>
             <a:r>
-              <a:rPr lang="ar-SA" smtClean="0"/>
+              <a:rPr lang="ar-SA"/>
               <a:t>انقر لتحرير أنماط النص الرئيسي</a:t>
             </a:r>
           </a:p>
           <a:p>
             <a:pPr lvl="1"/>
             <a:r>
-              <a:rPr lang="ar-SA" smtClean="0"/>
+              <a:rPr lang="ar-SA"/>
               <a:t>المستوى الثاني</a:t>
             </a:r>
           </a:p>
           <a:p>
             <a:pPr lvl="2"/>
             <a:r>
-              <a:rPr lang="ar-SA" smtClean="0"/>
+              <a:rPr lang="ar-SA"/>
               <a:t>المستوى الثالث</a:t>
             </a:r>
           </a:p>
           <a:p>
             <a:pPr lvl="3"/>
             <a:r>
-              <a:rPr lang="ar-SA" smtClean="0"/>
+              <a:rPr lang="ar-SA"/>
               <a:t>المستوى الرابع</a:t>
             </a:r>
           </a:p>
           <a:p>
             <a:pPr lvl="4"/>
             <a:r>
-              <a:rPr lang="ar-SA" smtClean="0"/>
+              <a:rPr lang="ar-SA"/>
               <a:t>المستوى الخامس</a:t>
             </a:r>
-            <a:endParaRPr lang="ar-SA"/>
           </a:p>
         </p:txBody>
       </p:sp>
@@ -2684,7 +2683,7 @@
           <a:p>
             <a:pPr lvl="0"/>
             <a:r>
-              <a:rPr lang="ar-SA" smtClean="0"/>
+              <a:rPr lang="ar-SA"/>
               <a:t>انقر لتحرير أنماط النص الرئيسي</a:t>
             </a:r>
           </a:p>
@@ -2708,7 +2707,7 @@
             <a:fld id="{1B8ABB09-4A1D-463E-8065-109CC2B7EFAA}" type="datetimeFigureOut">
               <a:rPr lang="ar-SA" smtClean="0"/>
               <a:pPr/>
-              <a:t>26/10/1438</a:t>
+              <a:t>02/11/1438</a:t>
             </a:fld>
             <a:endParaRPr lang="ar-SA"/>
           </a:p>
@@ -2807,10 +2806,9 @@
           </a:lstStyle>
           <a:p>
             <a:r>
-              <a:rPr lang="ar-SA" smtClean="0"/>
+              <a:rPr lang="ar-SA"/>
               <a:t>انقر لتحرير نمط العنوان الرئيسي</a:t>
             </a:r>
-            <a:endParaRPr lang="ar-SA"/>
           </a:p>
         </p:txBody>
       </p:sp>
@@ -2934,7 +2932,7 @@
           <a:p>
             <a:pPr lvl="0"/>
             <a:r>
-              <a:rPr lang="ar-SA" smtClean="0"/>
+              <a:rPr lang="ar-SA"/>
               <a:t>انقر لتحرير أنماط النص الرئيسي</a:t>
             </a:r>
           </a:p>
@@ -2958,7 +2956,7 @@
             <a:fld id="{1B8ABB09-4A1D-463E-8065-109CC2B7EFAA}" type="datetimeFigureOut">
               <a:rPr lang="ar-SA" smtClean="0"/>
               <a:pPr/>
-              <a:t>26/10/1438</a:t>
+              <a:t>02/11/1438</a:t>
             </a:fld>
             <a:endParaRPr lang="ar-SA"/>
           </a:p>
@@ -3063,10 +3061,9 @@
           <a:lstStyle/>
           <a:p>
             <a:r>
-              <a:rPr lang="ar-SA" smtClean="0"/>
+              <a:rPr lang="ar-SA"/>
               <a:t>انقر لتحرير نمط العنوان الرئيسي</a:t>
             </a:r>
-            <a:endParaRPr lang="ar-SA"/>
           </a:p>
         </p:txBody>
       </p:sp>
@@ -3097,38 +3094,37 @@
           <a:p>
             <a:pPr lvl="0"/>
             <a:r>
-              <a:rPr lang="ar-SA" smtClean="0"/>
+              <a:rPr lang="ar-SA"/>
               <a:t>انقر لتحرير أنماط النص الرئيسي</a:t>
             </a:r>
           </a:p>
           <a:p>
             <a:pPr lvl="1"/>
             <a:r>
-              <a:rPr lang="ar-SA" smtClean="0"/>
+              <a:rPr lang="ar-SA"/>
               <a:t>المستوى الثاني</a:t>
             </a:r>
           </a:p>
           <a:p>
             <a:pPr lvl="2"/>
             <a:r>
-              <a:rPr lang="ar-SA" smtClean="0"/>
+              <a:rPr lang="ar-SA"/>
               <a:t>المستوى الثالث</a:t>
             </a:r>
           </a:p>
           <a:p>
             <a:pPr lvl="3"/>
             <a:r>
-              <a:rPr lang="ar-SA" smtClean="0"/>
+              <a:rPr lang="ar-SA"/>
               <a:t>المستوى الرابع</a:t>
             </a:r>
           </a:p>
           <a:p>
             <a:pPr lvl="4"/>
             <a:r>
-              <a:rPr lang="ar-SA" smtClean="0"/>
+              <a:rPr lang="ar-SA"/>
               <a:t>المستوى الخامس</a:t>
             </a:r>
-            <a:endParaRPr lang="ar-SA"/>
           </a:p>
         </p:txBody>
       </p:sp>
@@ -3168,7 +3164,7 @@
             <a:fld id="{1B8ABB09-4A1D-463E-8065-109CC2B7EFAA}" type="datetimeFigureOut">
               <a:rPr lang="ar-SA" smtClean="0"/>
               <a:pPr/>
-              <a:t>26/10/1438</a:t>
+              <a:t>02/11/1438</a:t>
             </a:fld>
             <a:endParaRPr lang="ar-SA"/>
           </a:p>
@@ -3555,11 +3551,11 @@
           <a:lstStyle/>
           <a:p>
             <a:r>
-              <a:rPr lang="en-US" dirty="0" err="1" smtClean="0"/>
+              <a:rPr lang="en-US" dirty="0" err="1"/>
               <a:t>meBOP</a:t>
             </a:r>
             <a:r>
-              <a:rPr lang="en-US" dirty="0" smtClean="0"/>
+              <a:rPr lang="en-US" dirty="0"/>
               <a:t> 2017</a:t>
             </a:r>
             <a:endParaRPr lang="ar-SA" dirty="0"/>
@@ -3582,11 +3578,11 @@
           <a:lstStyle/>
           <a:p>
             <a:r>
-              <a:rPr lang="en-US" dirty="0" smtClean="0"/>
+              <a:rPr lang="en-US" dirty="0"/>
               <a:t>Sarah </a:t>
             </a:r>
             <a:r>
-              <a:rPr lang="en-US" dirty="0" err="1" smtClean="0"/>
+              <a:rPr lang="en-US" dirty="0" err="1"/>
               <a:t>Moghrabi</a:t>
             </a:r>
             <a:endParaRPr lang="ar-SA" dirty="0"/>
@@ -3598,13 +3594,6 @@
   <p:clrMapOvr>
     <a:masterClrMapping/>
   </p:clrMapOvr>
-  <p:timing>
-    <p:tnLst>
-      <p:par>
-        <p:cTn id="1" dur="indefinite" restart="never" nodeType="tmRoot"/>
-      </p:par>
-    </p:tnLst>
-  </p:timing>
 </p:sld>
 </file>
 
@@ -3635,6 +3624,342 @@
             <p:ph type="title"/>
           </p:nvPr>
         </p:nvSpPr>
+        <p:spPr/>
+        <p:txBody>
+          <a:bodyPr/>
+          <a:lstStyle/>
+          <a:p>
+            <a:r>
+              <a:rPr lang="en-US" dirty="0"/>
+              <a:t>Parasitism in West Bank</a:t>
+            </a:r>
+            <a:endParaRPr lang="ar-SA" dirty="0"/>
+          </a:p>
+        </p:txBody>
+      </p:sp>
+      <p:sp>
+        <p:nvSpPr>
+          <p:cNvPr id="3" name="عنصر نائب للمحتوى 2"/>
+          <p:cNvSpPr>
+            <a:spLocks noGrp="1"/>
+          </p:cNvSpPr>
+          <p:nvPr>
+            <p:ph idx="1"/>
+          </p:nvPr>
+        </p:nvSpPr>
+        <p:spPr/>
+        <p:txBody>
+          <a:bodyPr/>
+          <a:lstStyle/>
+          <a:p>
+            <a:pPr algn="ctr" rtl="0">
+              <a:buNone/>
+            </a:pPr>
+            <a:r>
+              <a:rPr lang="en-US" dirty="0"/>
+              <a:t> </a:t>
+            </a:r>
+            <a:endParaRPr lang="ar-SA" dirty="0"/>
+          </a:p>
+        </p:txBody>
+      </p:sp>
+      <p:sp>
+        <p:nvSpPr>
+          <p:cNvPr id="4" name="مستطيل مستدير الزوايا 3"/>
+          <p:cNvSpPr/>
+          <p:nvPr/>
+        </p:nvSpPr>
+        <p:spPr>
+          <a:xfrm>
+            <a:off x="5364088" y="2852936"/>
+            <a:ext cx="2376264" cy="936104"/>
+          </a:xfrm>
+          <a:prstGeom prst="roundRect">
+            <a:avLst/>
+          </a:prstGeom>
+          <a:noFill/>
+          <a:ln>
+            <a:solidFill>
+              <a:schemeClr val="accent5">
+                <a:lumMod val="50000"/>
+              </a:schemeClr>
+            </a:solidFill>
+          </a:ln>
+        </p:spPr>
+        <p:style>
+          <a:lnRef idx="2">
+            <a:schemeClr val="accent1">
+              <a:shade val="50000"/>
+            </a:schemeClr>
+          </a:lnRef>
+          <a:fillRef idx="1">
+            <a:schemeClr val="accent1"/>
+          </a:fillRef>
+          <a:effectRef idx="0">
+            <a:schemeClr val="accent1"/>
+          </a:effectRef>
+          <a:fontRef idx="minor">
+            <a:schemeClr val="lt1"/>
+          </a:fontRef>
+        </p:style>
+        <p:txBody>
+          <a:bodyPr rtlCol="1" anchor="ctr"/>
+          <a:lstStyle/>
+          <a:p>
+            <a:pPr algn="ctr"/>
+            <a:endParaRPr lang="ar-SA"/>
+          </a:p>
+        </p:txBody>
+      </p:sp>
+      <p:sp>
+        <p:nvSpPr>
+          <p:cNvPr id="5" name="مربع نص 4"/>
+          <p:cNvSpPr txBox="1"/>
+          <p:nvPr/>
+        </p:nvSpPr>
+        <p:spPr>
+          <a:xfrm>
+            <a:off x="5292080" y="2852936"/>
+            <a:ext cx="2448272" cy="830997"/>
+          </a:xfrm>
+          <a:prstGeom prst="rect">
+            <a:avLst/>
+          </a:prstGeom>
+          <a:noFill/>
+        </p:spPr>
+        <p:txBody>
+          <a:bodyPr wrap="square" rtlCol="1">
+            <a:spAutoFit/>
+          </a:bodyPr>
+          <a:lstStyle/>
+          <a:p>
+            <a:pPr algn="ctr" rtl="0"/>
+            <a:r>
+              <a:rPr lang="en-US" sz="2400" dirty="0" err="1"/>
+              <a:t>Trichomoniasis</a:t>
+            </a:r>
+            <a:r>
+              <a:rPr lang="en-US" sz="2400" dirty="0"/>
+              <a:t>:</a:t>
+            </a:r>
+          </a:p>
+          <a:p>
+            <a:pPr algn="ctr" rtl="0"/>
+            <a:r>
+              <a:rPr lang="en-US" sz="2400" dirty="0"/>
+              <a:t>727</a:t>
+            </a:r>
+            <a:endParaRPr lang="ar-SA" sz="2400" dirty="0"/>
+          </a:p>
+        </p:txBody>
+      </p:sp>
+      <p:sp>
+        <p:nvSpPr>
+          <p:cNvPr id="8" name="مربع نص 7"/>
+          <p:cNvSpPr txBox="1"/>
+          <p:nvPr/>
+        </p:nvSpPr>
+        <p:spPr>
+          <a:xfrm>
+            <a:off x="971600" y="2924944"/>
+            <a:ext cx="2448272" cy="830997"/>
+          </a:xfrm>
+          <a:prstGeom prst="rect">
+            <a:avLst/>
+          </a:prstGeom>
+          <a:noFill/>
+        </p:spPr>
+        <p:txBody>
+          <a:bodyPr wrap="square" rtlCol="1">
+            <a:spAutoFit/>
+          </a:bodyPr>
+          <a:lstStyle/>
+          <a:p>
+            <a:pPr algn="ctr" rtl="0"/>
+            <a:r>
+              <a:rPr lang="en-US" sz="2400" dirty="0"/>
+              <a:t>Toxoplasmosis: </a:t>
+            </a:r>
+          </a:p>
+          <a:p>
+            <a:pPr algn="ctr" rtl="0"/>
+            <a:r>
+              <a:rPr lang="en-US" sz="2400" dirty="0"/>
+              <a:t>1</a:t>
+            </a:r>
+            <a:endParaRPr lang="ar-SA" sz="2400" dirty="0"/>
+          </a:p>
+        </p:txBody>
+      </p:sp>
+      <p:sp>
+        <p:nvSpPr>
+          <p:cNvPr id="9" name="مستطيل مستدير الزوايا 8"/>
+          <p:cNvSpPr/>
+          <p:nvPr/>
+        </p:nvSpPr>
+        <p:spPr>
+          <a:xfrm>
+            <a:off x="1043608" y="2780928"/>
+            <a:ext cx="2376264" cy="1008112"/>
+          </a:xfrm>
+          <a:prstGeom prst="roundRect">
+            <a:avLst/>
+          </a:prstGeom>
+          <a:noFill/>
+          <a:ln>
+            <a:solidFill>
+              <a:schemeClr val="accent5">
+                <a:lumMod val="50000"/>
+              </a:schemeClr>
+            </a:solidFill>
+          </a:ln>
+        </p:spPr>
+        <p:style>
+          <a:lnRef idx="2">
+            <a:schemeClr val="accent1">
+              <a:shade val="50000"/>
+            </a:schemeClr>
+          </a:lnRef>
+          <a:fillRef idx="1">
+            <a:schemeClr val="accent1"/>
+          </a:fillRef>
+          <a:effectRef idx="0">
+            <a:schemeClr val="accent1"/>
+          </a:effectRef>
+          <a:fontRef idx="minor">
+            <a:schemeClr val="lt1"/>
+          </a:fontRef>
+        </p:style>
+        <p:txBody>
+          <a:bodyPr rtlCol="1" anchor="ctr"/>
+          <a:lstStyle/>
+          <a:p>
+            <a:pPr algn="ctr"/>
+            <a:endParaRPr lang="ar-SA"/>
+          </a:p>
+        </p:txBody>
+      </p:sp>
+    </p:spTree>
+  </p:cSld>
+  <p:clrMapOvr>
+    <a:masterClrMapping/>
+  </p:clrMapOvr>
+</p:sld>
+</file>
+
+<file path=ppt/slides/slide11.xml><?xml version="1.0" encoding="utf-8"?>
+<p:sld xmlns:a="http://schemas.openxmlformats.org/drawingml/2006/main" xmlns:r="http://schemas.openxmlformats.org/officeDocument/2006/relationships" xmlns:p="http://schemas.openxmlformats.org/presentationml/2006/main">
+  <p:cSld>
+    <p:spTree>
+      <p:nvGrpSpPr>
+        <p:cNvPr id="1" name=""/>
+        <p:cNvGrpSpPr/>
+        <p:nvPr/>
+      </p:nvGrpSpPr>
+      <p:grpSpPr>
+        <a:xfrm>
+          <a:off x="0" y="0"/>
+          <a:ext cx="0" cy="0"/>
+          <a:chOff x="0" y="0"/>
+          <a:chExt cx="0" cy="0"/>
+        </a:xfrm>
+      </p:grpSpPr>
+      <p:sp>
+        <p:nvSpPr>
+          <p:cNvPr id="3" name="عنوان 2"/>
+          <p:cNvSpPr>
+            <a:spLocks noGrp="1"/>
+          </p:cNvSpPr>
+          <p:nvPr>
+            <p:ph type="title"/>
+          </p:nvPr>
+        </p:nvSpPr>
+        <p:spPr/>
+        <p:txBody>
+          <a:bodyPr/>
+          <a:lstStyle/>
+          <a:p>
+            <a:r>
+              <a:rPr lang="en-US" dirty="0"/>
+              <a:t>Research in West Bank</a:t>
+            </a:r>
+            <a:endParaRPr lang="ar-SA" dirty="0"/>
+          </a:p>
+        </p:txBody>
+      </p:sp>
+      <p:sp>
+        <p:nvSpPr>
+          <p:cNvPr id="4" name="عنصر نائب للمحتوى 3"/>
+          <p:cNvSpPr>
+            <a:spLocks noGrp="1"/>
+          </p:cNvSpPr>
+          <p:nvPr>
+            <p:ph idx="1"/>
+          </p:nvPr>
+        </p:nvSpPr>
+        <p:spPr/>
+        <p:txBody>
+          <a:bodyPr/>
+          <a:lstStyle/>
+          <a:p>
+            <a:pPr algn="l" rtl="0"/>
+            <a:r>
+              <a:rPr lang="en-US" dirty="0"/>
+              <a:t>Descriptive researches</a:t>
+            </a:r>
+          </a:p>
+          <a:p>
+            <a:pPr algn="l" rtl="0"/>
+            <a:r>
+              <a:rPr lang="en-US" dirty="0"/>
+              <a:t>Lack of facilities</a:t>
+            </a:r>
+          </a:p>
+          <a:p>
+            <a:pPr algn="l" rtl="0"/>
+            <a:r>
+              <a:rPr lang="en-US" dirty="0"/>
+              <a:t>Lack of fund</a:t>
+            </a:r>
+            <a:endParaRPr lang="ar-SA" dirty="0"/>
+          </a:p>
+        </p:txBody>
+      </p:sp>
+    </p:spTree>
+  </p:cSld>
+  <p:clrMapOvr>
+    <a:masterClrMapping/>
+  </p:clrMapOvr>
+</p:sld>
+</file>
+
+<file path=ppt/slides/slide12.xml><?xml version="1.0" encoding="utf-8"?>
+<p:sld xmlns:a="http://schemas.openxmlformats.org/drawingml/2006/main" xmlns:r="http://schemas.openxmlformats.org/officeDocument/2006/relationships" xmlns:p="http://schemas.openxmlformats.org/presentationml/2006/main">
+  <p:cSld>
+    <p:spTree>
+      <p:nvGrpSpPr>
+        <p:cNvPr id="1" name=""/>
+        <p:cNvGrpSpPr/>
+        <p:nvPr/>
+      </p:nvGrpSpPr>
+      <p:grpSpPr>
+        <a:xfrm>
+          <a:off x="0" y="0"/>
+          <a:ext cx="0" cy="0"/>
+          <a:chOff x="0" y="0"/>
+          <a:chExt cx="0" cy="0"/>
+        </a:xfrm>
+      </p:grpSpPr>
+      <p:sp>
+        <p:nvSpPr>
+          <p:cNvPr id="2" name="عنوان 1"/>
+          <p:cNvSpPr>
+            <a:spLocks noGrp="1"/>
+          </p:cNvSpPr>
+          <p:nvPr>
+            <p:ph type="title"/>
+          </p:nvPr>
+        </p:nvSpPr>
         <p:spPr>
           <a:xfrm>
             <a:off x="467544" y="2636912"/>
@@ -3646,7 +3971,7 @@
           <a:lstStyle/>
           <a:p>
             <a:r>
-              <a:rPr lang="en-US" dirty="0" smtClean="0"/>
+              <a:rPr lang="en-US" dirty="0"/>
               <a:t>Thank you</a:t>
             </a:r>
             <a:endParaRPr lang="ar-SA" dirty="0"/>
@@ -3658,13 +3983,6 @@
   <p:clrMapOvr>
     <a:masterClrMapping/>
   </p:clrMapOvr>
-  <p:timing>
-    <p:tnLst>
-      <p:par>
-        <p:cTn id="1" dur="indefinite" restart="never" nodeType="tmRoot"/>
-      </p:par>
-    </p:tnLst>
-  </p:timing>
 </p:sld>
 </file>
 
@@ -3716,13 +4034,6 @@
   <p:clrMapOvr>
     <a:masterClrMapping/>
   </p:clrMapOvr>
-  <p:timing>
-    <p:tnLst>
-      <p:par>
-        <p:cTn id="1" dur="indefinite" restart="never" nodeType="tmRoot"/>
-      </p:par>
-    </p:tnLst>
-  </p:timing>
 </p:sld>
 </file>
 
@@ -3743,79 +4054,57 @@
           <a:chExt cx="0" cy="0"/>
         </a:xfrm>
       </p:grpSpPr>
-      <p:sp>
-        <p:nvSpPr>
-          <p:cNvPr id="2" name="عنوان 1"/>
-          <p:cNvSpPr>
-            <a:spLocks noGrp="1"/>
-          </p:cNvSpPr>
-          <p:nvPr>
-            <p:ph type="title"/>
-          </p:nvPr>
-        </p:nvSpPr>
-        <p:spPr/>
-        <p:txBody>
-          <a:bodyPr/>
-          <a:lstStyle/>
-          <a:p>
-            <a:endParaRPr lang="ar-SA"/>
-          </a:p>
-        </p:txBody>
-      </p:sp>
-      <p:sp>
-        <p:nvSpPr>
-          <p:cNvPr id="3" name="عنصر نائب للمحتوى 2"/>
-          <p:cNvSpPr>
-            <a:spLocks noGrp="1"/>
-          </p:cNvSpPr>
-          <p:nvPr>
-            <p:ph idx="1"/>
-          </p:nvPr>
-        </p:nvSpPr>
-        <p:spPr/>
-        <p:txBody>
-          <a:bodyPr/>
-          <a:lstStyle/>
-          <a:p>
-            <a:pPr algn="l" rtl="0"/>
-            <a:r>
-              <a:rPr lang="en-US" dirty="0" smtClean="0"/>
-              <a:t>Graduated medical school in 2016</a:t>
-            </a:r>
-          </a:p>
-          <a:p>
-            <a:pPr algn="l" rtl="0"/>
-            <a:r>
-              <a:rPr lang="en-US" dirty="0" smtClean="0"/>
-              <a:t>Interned at Ministry of Health hospitals and primary care clinics</a:t>
-            </a:r>
-          </a:p>
-          <a:p>
-            <a:pPr algn="l" rtl="0"/>
-            <a:endParaRPr lang="en-US" dirty="0" smtClean="0"/>
-          </a:p>
-          <a:p>
-            <a:pPr algn="ctr" rtl="0"/>
-            <a:r>
-              <a:rPr lang="en-US" dirty="0" smtClean="0"/>
-              <a:t>Next step?</a:t>
-            </a:r>
-            <a:endParaRPr lang="ar-SA" dirty="0"/>
-          </a:p>
-        </p:txBody>
-      </p:sp>
+      <p:pic>
+        <p:nvPicPr>
+          <p:cNvPr id="1026" name="Picture 2" descr="Image result for nablus map"/>
+          <p:cNvPicPr>
+            <a:picLocks noChangeAspect="1" noChangeArrowheads="1"/>
+          </p:cNvPicPr>
+          <p:nvPr/>
+        </p:nvPicPr>
+        <p:blipFill>
+          <a:blip r:embed="rId2">
+            <a:extLst>
+              <a:ext uri="{28A0092B-C50C-407E-A947-70E740481C1C}">
+                <a14:useLocalDpi xmlns:a14="http://schemas.microsoft.com/office/drawing/2010/main" val="0"/>
+              </a:ext>
+            </a:extLst>
+          </a:blip>
+          <a:srcRect/>
+          <a:stretch>
+            <a:fillRect/>
+          </a:stretch>
+        </p:blipFill>
+        <p:spPr bwMode="auto">
+          <a:xfrm>
+            <a:off x="2146300" y="0"/>
+            <a:ext cx="4851400" cy="6858000"/>
+          </a:xfrm>
+          <a:prstGeom prst="rect">
+            <a:avLst/>
+          </a:prstGeom>
+          <a:noFill/>
+          <a:extLst>
+            <a:ext uri="{909E8E84-426E-40DD-AFC4-6F175D3DCCD1}">
+              <a14:hiddenFill xmlns:a14="http://schemas.microsoft.com/office/drawing/2010/main">
+                <a:solidFill>
+                  <a:srgbClr val="FFFFFF"/>
+                </a:solidFill>
+              </a14:hiddenFill>
+            </a:ext>
+          </a:extLst>
+        </p:spPr>
+      </p:pic>
     </p:spTree>
+    <p:extLst>
+      <p:ext uri="{BB962C8B-B14F-4D97-AF65-F5344CB8AC3E}">
+        <p14:creationId xmlns:p14="http://schemas.microsoft.com/office/powerpoint/2010/main" val="3226789102"/>
+      </p:ext>
+    </p:extLst>
   </p:cSld>
   <p:clrMapOvr>
     <a:masterClrMapping/>
   </p:clrMapOvr>
-  <p:timing>
-    <p:tnLst>
-      <p:par>
-        <p:cTn id="1" dur="indefinite" restart="never" nodeType="tmRoot"/>
-      </p:par>
-    </p:tnLst>
-  </p:timing>
 </p:sld>
 </file>
 
@@ -3851,8 +4140,206 @@
           <a:bodyPr/>
           <a:lstStyle/>
           <a:p>
-            <a:r>
-              <a:rPr lang="en-US" dirty="0" smtClean="0"/>
+            <a:endParaRPr lang="ar-SA"/>
+          </a:p>
+        </p:txBody>
+      </p:sp>
+      <p:sp>
+        <p:nvSpPr>
+          <p:cNvPr id="3" name="عنصر نائب للمحتوى 2"/>
+          <p:cNvSpPr>
+            <a:spLocks noGrp="1"/>
+          </p:cNvSpPr>
+          <p:nvPr>
+            <p:ph idx="1"/>
+          </p:nvPr>
+        </p:nvSpPr>
+        <p:spPr/>
+        <p:txBody>
+          <a:bodyPr/>
+          <a:lstStyle/>
+          <a:p>
+            <a:pPr algn="l" rtl="0"/>
+            <a:r>
+              <a:rPr lang="en-US" dirty="0"/>
+              <a:t>Graduated medical school in 2016</a:t>
+            </a:r>
+          </a:p>
+          <a:p>
+            <a:pPr algn="l" rtl="0"/>
+            <a:r>
+              <a:rPr lang="en-US" dirty="0"/>
+              <a:t>Interned at Ministry of Health hospitals and primary care clinics</a:t>
+            </a:r>
+          </a:p>
+          <a:p>
+            <a:pPr algn="l" rtl="0"/>
+            <a:endParaRPr lang="en-US" dirty="0"/>
+          </a:p>
+          <a:p>
+            <a:pPr algn="ctr" rtl="0"/>
+            <a:r>
+              <a:rPr lang="en-US" dirty="0"/>
+              <a:t>Next step?</a:t>
+            </a:r>
+            <a:endParaRPr lang="ar-SA" dirty="0"/>
+          </a:p>
+        </p:txBody>
+      </p:sp>
+    </p:spTree>
+  </p:cSld>
+  <p:clrMapOvr>
+    <a:masterClrMapping/>
+  </p:clrMapOvr>
+</p:sld>
+</file>
+
+<file path=ppt/slides/slide5.xml><?xml version="1.0" encoding="utf-8"?>
+<p:sld xmlns:a="http://schemas.openxmlformats.org/drawingml/2006/main" xmlns:r="http://schemas.openxmlformats.org/officeDocument/2006/relationships" xmlns:p="http://schemas.openxmlformats.org/presentationml/2006/main">
+  <p:cSld>
+    <p:spTree>
+      <p:nvGrpSpPr>
+        <p:cNvPr id="1" name=""/>
+        <p:cNvGrpSpPr/>
+        <p:nvPr/>
+      </p:nvGrpSpPr>
+      <p:grpSpPr>
+        <a:xfrm>
+          <a:off x="0" y="0"/>
+          <a:ext cx="0" cy="0"/>
+          <a:chOff x="0" y="0"/>
+          <a:chExt cx="0" cy="0"/>
+        </a:xfrm>
+      </p:grpSpPr>
+      <p:pic>
+        <p:nvPicPr>
+          <p:cNvPr id="2050" name="Picture 2" descr="Related image"/>
+          <p:cNvPicPr>
+            <a:picLocks noChangeAspect="1" noChangeArrowheads="1"/>
+          </p:cNvPicPr>
+          <p:nvPr/>
+        </p:nvPicPr>
+        <p:blipFill>
+          <a:blip r:embed="rId2">
+            <a:extLst>
+              <a:ext uri="{28A0092B-C50C-407E-A947-70E740481C1C}">
+                <a14:useLocalDpi xmlns:a14="http://schemas.microsoft.com/office/drawing/2010/main" val="0"/>
+              </a:ext>
+            </a:extLst>
+          </a:blip>
+          <a:srcRect/>
+          <a:stretch>
+            <a:fillRect/>
+          </a:stretch>
+        </p:blipFill>
+        <p:spPr bwMode="auto">
+          <a:xfrm>
+            <a:off x="1719927" y="116632"/>
+            <a:ext cx="4953000" cy="3228975"/>
+          </a:xfrm>
+          <a:prstGeom prst="rect">
+            <a:avLst/>
+          </a:prstGeom>
+          <a:noFill/>
+          <a:extLst>
+            <a:ext uri="{909E8E84-426E-40DD-AFC4-6F175D3DCCD1}">
+              <a14:hiddenFill xmlns:a14="http://schemas.microsoft.com/office/drawing/2010/main">
+                <a:solidFill>
+                  <a:srgbClr val="FFFFFF"/>
+                </a:solidFill>
+              </a14:hiddenFill>
+            </a:ext>
+          </a:extLst>
+        </p:spPr>
+      </p:pic>
+      <p:pic>
+        <p:nvPicPr>
+          <p:cNvPr id="2052" name="Picture 4" descr="Image result for najah national university faculty of medicine"/>
+          <p:cNvPicPr>
+            <a:picLocks noChangeAspect="1" noChangeArrowheads="1"/>
+          </p:cNvPicPr>
+          <p:nvPr/>
+        </p:nvPicPr>
+        <p:blipFill>
+          <a:blip r:embed="rId3" cstate="print">
+            <a:extLst>
+              <a:ext uri="{28A0092B-C50C-407E-A947-70E740481C1C}">
+                <a14:useLocalDpi xmlns:a14="http://schemas.microsoft.com/office/drawing/2010/main" val="0"/>
+              </a:ext>
+            </a:extLst>
+          </a:blip>
+          <a:srcRect/>
+          <a:stretch>
+            <a:fillRect/>
+          </a:stretch>
+        </p:blipFill>
+        <p:spPr bwMode="auto">
+          <a:xfrm>
+            <a:off x="1525783" y="3345607"/>
+            <a:ext cx="5341287" cy="2994273"/>
+          </a:xfrm>
+          <a:prstGeom prst="rect">
+            <a:avLst/>
+          </a:prstGeom>
+          <a:noFill/>
+          <a:extLst>
+            <a:ext uri="{909E8E84-426E-40DD-AFC4-6F175D3DCCD1}">
+              <a14:hiddenFill xmlns:a14="http://schemas.microsoft.com/office/drawing/2010/main">
+                <a:solidFill>
+                  <a:srgbClr val="FFFFFF"/>
+                </a:solidFill>
+              </a14:hiddenFill>
+            </a:ext>
+          </a:extLst>
+        </p:spPr>
+      </p:pic>
+    </p:spTree>
+    <p:extLst>
+      <p:ext uri="{BB962C8B-B14F-4D97-AF65-F5344CB8AC3E}">
+        <p14:creationId xmlns:p14="http://schemas.microsoft.com/office/powerpoint/2010/main" val="1686846802"/>
+      </p:ext>
+    </p:extLst>
+  </p:cSld>
+  <p:clrMapOvr>
+    <a:masterClrMapping/>
+  </p:clrMapOvr>
+</p:sld>
+</file>
+
+<file path=ppt/slides/slide6.xml><?xml version="1.0" encoding="utf-8"?>
+<p:sld xmlns:a="http://schemas.openxmlformats.org/drawingml/2006/main" xmlns:r="http://schemas.openxmlformats.org/officeDocument/2006/relationships" xmlns:p="http://schemas.openxmlformats.org/presentationml/2006/main">
+  <p:cSld>
+    <p:spTree>
+      <p:nvGrpSpPr>
+        <p:cNvPr id="1" name=""/>
+        <p:cNvGrpSpPr/>
+        <p:nvPr/>
+      </p:nvGrpSpPr>
+      <p:grpSpPr>
+        <a:xfrm>
+          <a:off x="0" y="0"/>
+          <a:ext cx="0" cy="0"/>
+          <a:chOff x="0" y="0"/>
+          <a:chExt cx="0" cy="0"/>
+        </a:xfrm>
+      </p:grpSpPr>
+      <p:sp>
+        <p:nvSpPr>
+          <p:cNvPr id="2" name="عنوان 1"/>
+          <p:cNvSpPr>
+            <a:spLocks noGrp="1"/>
+          </p:cNvSpPr>
+          <p:nvPr>
+            <p:ph type="title"/>
+          </p:nvPr>
+        </p:nvSpPr>
+        <p:spPr/>
+        <p:txBody>
+          <a:bodyPr/>
+          <a:lstStyle/>
+          <a:p>
+            <a:r>
+              <a:rPr lang="en-US" dirty="0"/>
               <a:t>Parasitism in West Bank</a:t>
             </a:r>
             <a:endParaRPr lang="ar-SA" dirty="0"/>
@@ -3877,18 +4364,18 @@
             <a:pPr algn="ctr" rtl="0">
               <a:buNone/>
             </a:pPr>
-            <a:endParaRPr lang="en-US" dirty="0" smtClean="0"/>
+            <a:endParaRPr lang="en-US" dirty="0"/>
           </a:p>
           <a:p>
             <a:pPr algn="ctr" rtl="0">
               <a:buNone/>
             </a:pPr>
             <a:r>
-              <a:rPr lang="en-US" dirty="0" err="1" smtClean="0"/>
+              <a:rPr lang="en-US" dirty="0" err="1"/>
               <a:t>Leishmaniasis</a:t>
             </a:r>
             <a:r>
-              <a:rPr lang="en-US" dirty="0" smtClean="0"/>
+              <a:rPr lang="en-US" dirty="0"/>
               <a:t> </a:t>
             </a:r>
             <a:endParaRPr lang="ar-SA" dirty="0"/>
@@ -3967,26 +4454,26 @@
           <a:p>
             <a:pPr algn="ctr" rtl="0"/>
             <a:r>
-              <a:rPr lang="en-US" sz="2800" dirty="0" err="1" smtClean="0"/>
+              <a:rPr lang="en-US" sz="2800" dirty="0" err="1"/>
               <a:t>Cutaneous</a:t>
             </a:r>
             <a:r>
-              <a:rPr lang="en-US" sz="2800" dirty="0" smtClean="0"/>
+              <a:rPr lang="en-US" sz="2800" dirty="0"/>
               <a:t> </a:t>
             </a:r>
             <a:r>
-              <a:rPr lang="en-US" sz="2800" dirty="0" err="1" smtClean="0"/>
+              <a:rPr lang="en-US" sz="2800" dirty="0" err="1"/>
               <a:t>Leishmaniasis</a:t>
             </a:r>
             <a:r>
-              <a:rPr lang="en-US" sz="2800" dirty="0" smtClean="0"/>
+              <a:rPr lang="en-US" sz="2800" dirty="0"/>
               <a:t>: </a:t>
             </a:r>
           </a:p>
           <a:p>
             <a:pPr algn="ctr" rtl="0"/>
             <a:r>
-              <a:rPr lang="en-US" sz="2800" dirty="0" smtClean="0"/>
+              <a:rPr lang="en-US" sz="2800" dirty="0"/>
               <a:t>387</a:t>
             </a:r>
             <a:endParaRPr lang="ar-SA" sz="2800" dirty="0"/>
@@ -4065,22 +4552,22 @@
           <a:p>
             <a:pPr algn="ctr" rtl="0"/>
             <a:r>
-              <a:rPr lang="en-US" sz="2800" dirty="0" smtClean="0"/>
+              <a:rPr lang="en-US" sz="2800" dirty="0"/>
               <a:t>Visceral </a:t>
             </a:r>
             <a:r>
-              <a:rPr lang="en-US" sz="2800" dirty="0" err="1" smtClean="0"/>
+              <a:rPr lang="en-US" sz="2800" dirty="0" err="1"/>
               <a:t>Leishmaniasis</a:t>
             </a:r>
             <a:r>
-              <a:rPr lang="en-US" sz="2800" dirty="0" smtClean="0"/>
+              <a:rPr lang="en-US" sz="2800" dirty="0"/>
               <a:t>: </a:t>
             </a:r>
           </a:p>
           <a:p>
             <a:pPr algn="ctr" rtl="0"/>
             <a:r>
-              <a:rPr lang="en-US" sz="2800" dirty="0" smtClean="0"/>
+              <a:rPr lang="en-US" sz="2800" dirty="0"/>
               <a:t>4</a:t>
             </a:r>
             <a:endParaRPr lang="ar-SA" sz="2800" dirty="0"/>
@@ -4092,17 +4579,10 @@
   <p:clrMapOvr>
     <a:masterClrMapping/>
   </p:clrMapOvr>
-  <p:timing>
-    <p:tnLst>
-      <p:par>
-        <p:cTn id="1" dur="indefinite" restart="never" nodeType="tmRoot"/>
-      </p:par>
-    </p:tnLst>
-  </p:timing>
 </p:sld>
 </file>
 
-<file path=ppt/slides/slide5.xml><?xml version="1.0" encoding="utf-8"?>
+<file path=ppt/slides/slide7.xml><?xml version="1.0" encoding="utf-8"?>
 <p:sld xmlns:a="http://schemas.openxmlformats.org/drawingml/2006/main" xmlns:r="http://schemas.openxmlformats.org/officeDocument/2006/relationships" xmlns:p="http://schemas.openxmlformats.org/presentationml/2006/main">
   <p:cSld>
     <p:spTree>
@@ -4135,7 +4615,7 @@
           <a:lstStyle/>
           <a:p>
             <a:r>
-              <a:rPr lang="en-US" dirty="0" smtClean="0">
+              <a:rPr lang="en-US" dirty="0">
                 <a:solidFill>
                   <a:schemeClr val="accent5">
                     <a:lumMod val="50000"/>
@@ -4172,7 +4652,7 @@
             <a:pPr algn="ctr" rtl="0">
               <a:buNone/>
             </a:pPr>
-            <a:endParaRPr lang="en-US" dirty="0" smtClean="0">
+            <a:endParaRPr lang="en-US" dirty="0">
               <a:solidFill>
                 <a:schemeClr val="accent5">
                   <a:lumMod val="50000"/>
@@ -4185,7 +4665,7 @@
               <a:buNone/>
             </a:pPr>
             <a:r>
-              <a:rPr lang="en-US" dirty="0" err="1" smtClean="0"/>
+              <a:rPr lang="en-US" dirty="0" err="1"/>
               <a:t>Echinococcosis</a:t>
             </a:r>
             <a:endParaRPr lang="ar-SA" dirty="0"/>
@@ -4264,18 +4744,18 @@
           <a:p>
             <a:pPr algn="ctr" rtl="0"/>
             <a:r>
-              <a:rPr lang="en-US" sz="2800" dirty="0" err="1" smtClean="0"/>
+              <a:rPr lang="en-US" sz="2800" dirty="0" err="1"/>
               <a:t>Hydatid</a:t>
             </a:r>
             <a:r>
-              <a:rPr lang="en-US" sz="2800" dirty="0" smtClean="0"/>
+              <a:rPr lang="en-US" sz="2800" dirty="0"/>
               <a:t> cyst: </a:t>
             </a:r>
           </a:p>
           <a:p>
             <a:pPr algn="ctr" rtl="0"/>
             <a:r>
-              <a:rPr lang="en-US" sz="2800" dirty="0" smtClean="0"/>
+              <a:rPr lang="en-US" sz="2800" dirty="0"/>
               <a:t>46</a:t>
             </a:r>
             <a:endParaRPr lang="ar-SA" sz="2800" dirty="0"/>
@@ -4287,17 +4767,10 @@
   <p:clrMapOvr>
     <a:masterClrMapping/>
   </p:clrMapOvr>
-  <p:timing>
-    <p:tnLst>
-      <p:par>
-        <p:cTn id="1" dur="indefinite" restart="never" nodeType="tmRoot"/>
-      </p:par>
-    </p:tnLst>
-  </p:timing>
 </p:sld>
 </file>
 
-<file path=ppt/slides/slide6.xml><?xml version="1.0" encoding="utf-8"?>
+<file path=ppt/slides/slide8.xml><?xml version="1.0" encoding="utf-8"?>
 <p:sld xmlns:a="http://schemas.openxmlformats.org/drawingml/2006/main" xmlns:r="http://schemas.openxmlformats.org/officeDocument/2006/relationships" xmlns:p="http://schemas.openxmlformats.org/presentationml/2006/main">
   <p:cSld>
     <p:spTree>
@@ -4330,7 +4803,7 @@
           <a:lstStyle/>
           <a:p>
             <a:r>
-              <a:rPr lang="en-US" dirty="0" smtClean="0"/>
+              <a:rPr lang="en-US" dirty="0"/>
               <a:t>Parasitism in West Bank</a:t>
             </a:r>
             <a:endParaRPr lang="ar-SA" dirty="0"/>
@@ -4355,18 +4828,18 @@
             <a:pPr algn="ctr" rtl="0">
               <a:buNone/>
             </a:pPr>
-            <a:endParaRPr lang="en-US" dirty="0" smtClean="0"/>
+            <a:endParaRPr lang="en-US" dirty="0"/>
           </a:p>
           <a:p>
             <a:pPr algn="ctr" rtl="0">
               <a:buNone/>
             </a:pPr>
             <a:r>
-              <a:rPr lang="en-US" dirty="0" err="1" smtClean="0"/>
+              <a:rPr lang="en-US" dirty="0" err="1"/>
               <a:t>Helminths</a:t>
             </a:r>
             <a:r>
-              <a:rPr lang="en-US" dirty="0" smtClean="0"/>
+              <a:rPr lang="en-US" dirty="0"/>
               <a:t> </a:t>
             </a:r>
             <a:endParaRPr lang="ar-SA" dirty="0"/>
@@ -4445,18 +4918,18 @@
           <a:p>
             <a:pPr algn="ctr" rtl="0"/>
             <a:r>
-              <a:rPr lang="en-US" sz="2400" dirty="0" err="1" smtClean="0"/>
+              <a:rPr lang="en-US" sz="2400" dirty="0" err="1"/>
               <a:t>Enterobiasis</a:t>
             </a:r>
             <a:r>
-              <a:rPr lang="en-US" sz="2400" dirty="0" smtClean="0"/>
+              <a:rPr lang="en-US" sz="2400" dirty="0"/>
               <a:t>:</a:t>
             </a:r>
           </a:p>
           <a:p>
             <a:pPr algn="ctr" rtl="0"/>
             <a:r>
-              <a:rPr lang="en-US" sz="2400" dirty="0" smtClean="0"/>
+              <a:rPr lang="en-US" sz="2400" dirty="0"/>
               <a:t>1345</a:t>
             </a:r>
             <a:endParaRPr lang="ar-SA" sz="2400" dirty="0"/>
@@ -4535,18 +5008,18 @@
           <a:p>
             <a:pPr algn="ctr" rtl="0"/>
             <a:r>
-              <a:rPr lang="en-US" sz="2400" dirty="0" err="1" smtClean="0"/>
+              <a:rPr lang="en-US" sz="2400" dirty="0" err="1"/>
               <a:t>Ascariasis</a:t>
             </a:r>
             <a:r>
-              <a:rPr lang="en-US" sz="2400" dirty="0" smtClean="0"/>
+              <a:rPr lang="en-US" sz="2400" dirty="0"/>
               <a:t>: </a:t>
             </a:r>
           </a:p>
           <a:p>
             <a:pPr algn="ctr" rtl="0"/>
             <a:r>
-              <a:rPr lang="en-US" sz="2400" dirty="0" smtClean="0"/>
+              <a:rPr lang="en-US" sz="2400" dirty="0"/>
               <a:t>172</a:t>
             </a:r>
             <a:endParaRPr lang="ar-SA" sz="2400" dirty="0"/>
@@ -4577,18 +5050,18 @@
           <a:p>
             <a:pPr algn="ctr" rtl="0"/>
             <a:r>
-              <a:rPr lang="en-US" sz="2400" dirty="0" err="1" smtClean="0"/>
+              <a:rPr lang="en-US" sz="2400" dirty="0" err="1"/>
               <a:t>Strongyloidasis</a:t>
             </a:r>
             <a:r>
-              <a:rPr lang="en-US" sz="2400" dirty="0" smtClean="0"/>
+              <a:rPr lang="en-US" sz="2400" dirty="0"/>
               <a:t>: </a:t>
             </a:r>
           </a:p>
           <a:p>
             <a:pPr algn="ctr" rtl="0"/>
             <a:r>
-              <a:rPr lang="en-US" sz="2400" dirty="0" smtClean="0"/>
+              <a:rPr lang="en-US" sz="2400" dirty="0"/>
               <a:t>142</a:t>
             </a:r>
             <a:endParaRPr lang="ar-SA" sz="2400" dirty="0"/>
@@ -4715,34 +5188,34 @@
           <a:p>
             <a:pPr algn="ctr" rtl="0"/>
             <a:r>
-              <a:rPr lang="en-US" sz="2400" dirty="0" err="1" smtClean="0"/>
+              <a:rPr lang="en-US" sz="2400" dirty="0" err="1"/>
               <a:t>Tiniasis</a:t>
             </a:r>
             <a:r>
-              <a:rPr lang="en-US" sz="2400" dirty="0" smtClean="0"/>
+              <a:rPr lang="en-US" sz="2400" dirty="0"/>
               <a:t> </a:t>
             </a:r>
             <a:r>
-              <a:rPr lang="en-US" sz="2400" dirty="0" err="1" smtClean="0"/>
+              <a:rPr lang="en-US" sz="2400" dirty="0" err="1"/>
               <a:t>solium</a:t>
             </a:r>
             <a:r>
-              <a:rPr lang="en-US" sz="2400" dirty="0" smtClean="0"/>
+              <a:rPr lang="en-US" sz="2400" dirty="0"/>
               <a:t>/</a:t>
             </a:r>
             <a:r>
-              <a:rPr lang="en-US" sz="2400" dirty="0" err="1" smtClean="0"/>
+              <a:rPr lang="en-US" sz="2400" dirty="0" err="1"/>
               <a:t>saginata</a:t>
             </a:r>
             <a:r>
-              <a:rPr lang="en-US" sz="2400" dirty="0" smtClean="0"/>
+              <a:rPr lang="en-US" sz="2400" dirty="0"/>
               <a:t>: </a:t>
             </a:r>
           </a:p>
           <a:p>
             <a:pPr algn="ctr" rtl="0"/>
             <a:r>
-              <a:rPr lang="en-US" sz="2400" dirty="0" smtClean="0"/>
+              <a:rPr lang="en-US" sz="2400" dirty="0"/>
               <a:t>0</a:t>
             </a:r>
             <a:endParaRPr lang="ar-SA" sz="2400" dirty="0"/>
@@ -4754,17 +5227,10 @@
   <p:clrMapOvr>
     <a:masterClrMapping/>
   </p:clrMapOvr>
-  <p:timing>
-    <p:tnLst>
-      <p:par>
-        <p:cTn id="1" dur="indefinite" restart="never" nodeType="tmRoot"/>
-      </p:par>
-    </p:tnLst>
-  </p:timing>
 </p:sld>
 </file>
 
-<file path=ppt/slides/slide7.xml><?xml version="1.0" encoding="utf-8"?>
+<file path=ppt/slides/slide9.xml><?xml version="1.0" encoding="utf-8"?>
 <p:sld xmlns:a="http://schemas.openxmlformats.org/drawingml/2006/main" xmlns:r="http://schemas.openxmlformats.org/officeDocument/2006/relationships" xmlns:p="http://schemas.openxmlformats.org/presentationml/2006/main">
   <p:cSld>
     <p:spTree>
@@ -4797,7 +5263,7 @@
           <a:lstStyle/>
           <a:p>
             <a:r>
-              <a:rPr lang="en-US" dirty="0" smtClean="0"/>
+              <a:rPr lang="en-US" dirty="0"/>
               <a:t>Parasitism in West Bank</a:t>
             </a:r>
             <a:endParaRPr lang="ar-SA" dirty="0"/>
@@ -4822,26 +5288,26 @@
             <a:pPr algn="ctr" rtl="0">
               <a:buNone/>
             </a:pPr>
-            <a:endParaRPr lang="en-US" dirty="0" smtClean="0"/>
+            <a:endParaRPr lang="en-US" dirty="0"/>
           </a:p>
           <a:p>
             <a:pPr algn="ctr" rtl="0">
               <a:buNone/>
             </a:pPr>
             <a:r>
-              <a:rPr lang="en-US" dirty="0" err="1" smtClean="0"/>
+              <a:rPr lang="en-US" dirty="0" err="1"/>
               <a:t>Ameobiasis</a:t>
             </a:r>
             <a:r>
-              <a:rPr lang="en-US" dirty="0" smtClean="0"/>
+              <a:rPr lang="en-US" dirty="0"/>
               <a:t> &amp; </a:t>
             </a:r>
             <a:r>
-              <a:rPr lang="en-US" dirty="0" err="1" smtClean="0"/>
+              <a:rPr lang="en-US" dirty="0" err="1"/>
               <a:t>Giardiasis</a:t>
             </a:r>
             <a:r>
-              <a:rPr lang="en-US" dirty="0" smtClean="0"/>
+              <a:rPr lang="en-US" dirty="0"/>
               <a:t> </a:t>
             </a:r>
             <a:endParaRPr lang="ar-SA" dirty="0"/>
@@ -4920,18 +5386,18 @@
           <a:p>
             <a:pPr algn="ctr" rtl="0"/>
             <a:r>
-              <a:rPr lang="en-US" sz="2400" dirty="0" err="1" smtClean="0"/>
+              <a:rPr lang="en-US" sz="2400" dirty="0" err="1"/>
               <a:t>Giardiasis</a:t>
             </a:r>
             <a:r>
-              <a:rPr lang="en-US" sz="2400" dirty="0" smtClean="0"/>
+              <a:rPr lang="en-US" sz="2400" dirty="0"/>
               <a:t>:</a:t>
             </a:r>
           </a:p>
           <a:p>
             <a:pPr algn="ctr" rtl="0"/>
             <a:r>
-              <a:rPr lang="en-US" sz="2400" dirty="0" smtClean="0"/>
+              <a:rPr lang="en-US" sz="2400" dirty="0"/>
               <a:t> 94</a:t>
             </a:r>
             <a:endParaRPr lang="ar-SA" sz="2400" dirty="0"/>
@@ -5010,26 +5476,26 @@
           <a:p>
             <a:pPr algn="ctr" rtl="0"/>
             <a:r>
-              <a:rPr lang="en-US" sz="2400" dirty="0" err="1" smtClean="0"/>
+              <a:rPr lang="en-US" sz="2400" dirty="0" err="1"/>
               <a:t>Ameobiasis</a:t>
             </a:r>
             <a:r>
-              <a:rPr lang="en-US" sz="2400" dirty="0" smtClean="0"/>
+              <a:rPr lang="en-US" sz="2400" dirty="0"/>
               <a:t> (</a:t>
             </a:r>
             <a:r>
-              <a:rPr lang="en-US" sz="2400" dirty="0" err="1" smtClean="0"/>
+              <a:rPr lang="en-US" sz="2400" dirty="0" err="1"/>
               <a:t>trophozoite</a:t>
             </a:r>
             <a:r>
-              <a:rPr lang="en-US" sz="2400" dirty="0" smtClean="0"/>
+              <a:rPr lang="en-US" sz="2400" dirty="0"/>
               <a:t>): </a:t>
             </a:r>
           </a:p>
           <a:p>
             <a:pPr algn="ctr" rtl="0"/>
             <a:r>
-              <a:rPr lang="en-US" sz="2400" dirty="0" smtClean="0"/>
+              <a:rPr lang="en-US" sz="2400" dirty="0"/>
               <a:t>445</a:t>
             </a:r>
             <a:endParaRPr lang="ar-SA" sz="2400" dirty="0"/>
@@ -5041,363 +5507,6 @@
   <p:clrMapOvr>
     <a:masterClrMapping/>
   </p:clrMapOvr>
-  <p:timing>
-    <p:tnLst>
-      <p:par>
-        <p:cTn id="1" dur="indefinite" restart="never" nodeType="tmRoot"/>
-      </p:par>
-    </p:tnLst>
-  </p:timing>
-</p:sld>
-</file>
-
-<file path=ppt/slides/slide8.xml><?xml version="1.0" encoding="utf-8"?>
-<p:sld xmlns:a="http://schemas.openxmlformats.org/drawingml/2006/main" xmlns:r="http://schemas.openxmlformats.org/officeDocument/2006/relationships" xmlns:p="http://schemas.openxmlformats.org/presentationml/2006/main">
-  <p:cSld>
-    <p:spTree>
-      <p:nvGrpSpPr>
-        <p:cNvPr id="1" name=""/>
-        <p:cNvGrpSpPr/>
-        <p:nvPr/>
-      </p:nvGrpSpPr>
-      <p:grpSpPr>
-        <a:xfrm>
-          <a:off x="0" y="0"/>
-          <a:ext cx="0" cy="0"/>
-          <a:chOff x="0" y="0"/>
-          <a:chExt cx="0" cy="0"/>
-        </a:xfrm>
-      </p:grpSpPr>
-      <p:sp>
-        <p:nvSpPr>
-          <p:cNvPr id="2" name="عنوان 1"/>
-          <p:cNvSpPr>
-            <a:spLocks noGrp="1"/>
-          </p:cNvSpPr>
-          <p:nvPr>
-            <p:ph type="title"/>
-          </p:nvPr>
-        </p:nvSpPr>
-        <p:spPr/>
-        <p:txBody>
-          <a:bodyPr/>
-          <a:lstStyle/>
-          <a:p>
-            <a:r>
-              <a:rPr lang="en-US" dirty="0" smtClean="0"/>
-              <a:t>Parasitism in West Bank</a:t>
-            </a:r>
-            <a:endParaRPr lang="ar-SA" dirty="0"/>
-          </a:p>
-        </p:txBody>
-      </p:sp>
-      <p:sp>
-        <p:nvSpPr>
-          <p:cNvPr id="3" name="عنصر نائب للمحتوى 2"/>
-          <p:cNvSpPr>
-            <a:spLocks noGrp="1"/>
-          </p:cNvSpPr>
-          <p:nvPr>
-            <p:ph idx="1"/>
-          </p:nvPr>
-        </p:nvSpPr>
-        <p:spPr/>
-        <p:txBody>
-          <a:bodyPr/>
-          <a:lstStyle/>
-          <a:p>
-            <a:pPr algn="ctr" rtl="0">
-              <a:buNone/>
-            </a:pPr>
-            <a:r>
-              <a:rPr lang="en-US" dirty="0" smtClean="0"/>
-              <a:t> </a:t>
-            </a:r>
-            <a:endParaRPr lang="ar-SA" dirty="0"/>
-          </a:p>
-        </p:txBody>
-      </p:sp>
-      <p:sp>
-        <p:nvSpPr>
-          <p:cNvPr id="4" name="مستطيل مستدير الزوايا 3"/>
-          <p:cNvSpPr/>
-          <p:nvPr/>
-        </p:nvSpPr>
-        <p:spPr>
-          <a:xfrm>
-            <a:off x="5364088" y="2852936"/>
-            <a:ext cx="2376264" cy="936104"/>
-          </a:xfrm>
-          <a:prstGeom prst="roundRect">
-            <a:avLst/>
-          </a:prstGeom>
-          <a:noFill/>
-          <a:ln>
-            <a:solidFill>
-              <a:schemeClr val="accent5">
-                <a:lumMod val="50000"/>
-              </a:schemeClr>
-            </a:solidFill>
-          </a:ln>
-        </p:spPr>
-        <p:style>
-          <a:lnRef idx="2">
-            <a:schemeClr val="accent1">
-              <a:shade val="50000"/>
-            </a:schemeClr>
-          </a:lnRef>
-          <a:fillRef idx="1">
-            <a:schemeClr val="accent1"/>
-          </a:fillRef>
-          <a:effectRef idx="0">
-            <a:schemeClr val="accent1"/>
-          </a:effectRef>
-          <a:fontRef idx="minor">
-            <a:schemeClr val="lt1"/>
-          </a:fontRef>
-        </p:style>
-        <p:txBody>
-          <a:bodyPr rtlCol="1" anchor="ctr"/>
-          <a:lstStyle/>
-          <a:p>
-            <a:pPr algn="ctr"/>
-            <a:endParaRPr lang="ar-SA"/>
-          </a:p>
-        </p:txBody>
-      </p:sp>
-      <p:sp>
-        <p:nvSpPr>
-          <p:cNvPr id="5" name="مربع نص 4"/>
-          <p:cNvSpPr txBox="1"/>
-          <p:nvPr/>
-        </p:nvSpPr>
-        <p:spPr>
-          <a:xfrm>
-            <a:off x="5292080" y="2852936"/>
-            <a:ext cx="2448272" cy="830997"/>
-          </a:xfrm>
-          <a:prstGeom prst="rect">
-            <a:avLst/>
-          </a:prstGeom>
-          <a:noFill/>
-        </p:spPr>
-        <p:txBody>
-          <a:bodyPr wrap="square" rtlCol="1">
-            <a:spAutoFit/>
-          </a:bodyPr>
-          <a:lstStyle/>
-          <a:p>
-            <a:pPr algn="ctr" rtl="0"/>
-            <a:r>
-              <a:rPr lang="en-US" sz="2400" dirty="0" err="1" smtClean="0"/>
-              <a:t>Trichomoniasis</a:t>
-            </a:r>
-            <a:r>
-              <a:rPr lang="en-US" sz="2400" dirty="0" smtClean="0"/>
-              <a:t>:</a:t>
-            </a:r>
-          </a:p>
-          <a:p>
-            <a:pPr algn="ctr" rtl="0"/>
-            <a:r>
-              <a:rPr lang="en-US" sz="2400" dirty="0" smtClean="0"/>
-              <a:t>727</a:t>
-            </a:r>
-            <a:endParaRPr lang="ar-SA" sz="2400" dirty="0"/>
-          </a:p>
-        </p:txBody>
-      </p:sp>
-      <p:sp>
-        <p:nvSpPr>
-          <p:cNvPr id="8" name="مربع نص 7"/>
-          <p:cNvSpPr txBox="1"/>
-          <p:nvPr/>
-        </p:nvSpPr>
-        <p:spPr>
-          <a:xfrm>
-            <a:off x="971600" y="2924944"/>
-            <a:ext cx="2448272" cy="830997"/>
-          </a:xfrm>
-          <a:prstGeom prst="rect">
-            <a:avLst/>
-          </a:prstGeom>
-          <a:noFill/>
-        </p:spPr>
-        <p:txBody>
-          <a:bodyPr wrap="square" rtlCol="1">
-            <a:spAutoFit/>
-          </a:bodyPr>
-          <a:lstStyle/>
-          <a:p>
-            <a:pPr algn="ctr" rtl="0"/>
-            <a:r>
-              <a:rPr lang="en-US" sz="2400" dirty="0" smtClean="0"/>
-              <a:t>Toxoplasmosis: </a:t>
-            </a:r>
-          </a:p>
-          <a:p>
-            <a:pPr algn="ctr" rtl="0"/>
-            <a:r>
-              <a:rPr lang="en-US" sz="2400" dirty="0" smtClean="0"/>
-              <a:t>1</a:t>
-            </a:r>
-            <a:endParaRPr lang="ar-SA" sz="2400" dirty="0"/>
-          </a:p>
-        </p:txBody>
-      </p:sp>
-      <p:sp>
-        <p:nvSpPr>
-          <p:cNvPr id="9" name="مستطيل مستدير الزوايا 8"/>
-          <p:cNvSpPr/>
-          <p:nvPr/>
-        </p:nvSpPr>
-        <p:spPr>
-          <a:xfrm>
-            <a:off x="1043608" y="2780928"/>
-            <a:ext cx="2376264" cy="1008112"/>
-          </a:xfrm>
-          <a:prstGeom prst="roundRect">
-            <a:avLst/>
-          </a:prstGeom>
-          <a:noFill/>
-          <a:ln>
-            <a:solidFill>
-              <a:schemeClr val="accent5">
-                <a:lumMod val="50000"/>
-              </a:schemeClr>
-            </a:solidFill>
-          </a:ln>
-        </p:spPr>
-        <p:style>
-          <a:lnRef idx="2">
-            <a:schemeClr val="accent1">
-              <a:shade val="50000"/>
-            </a:schemeClr>
-          </a:lnRef>
-          <a:fillRef idx="1">
-            <a:schemeClr val="accent1"/>
-          </a:fillRef>
-          <a:effectRef idx="0">
-            <a:schemeClr val="accent1"/>
-          </a:effectRef>
-          <a:fontRef idx="minor">
-            <a:schemeClr val="lt1"/>
-          </a:fontRef>
-        </p:style>
-        <p:txBody>
-          <a:bodyPr rtlCol="1" anchor="ctr"/>
-          <a:lstStyle/>
-          <a:p>
-            <a:pPr algn="ctr"/>
-            <a:endParaRPr lang="ar-SA"/>
-          </a:p>
-        </p:txBody>
-      </p:sp>
-    </p:spTree>
-  </p:cSld>
-  <p:clrMapOvr>
-    <a:masterClrMapping/>
-  </p:clrMapOvr>
-  <p:timing>
-    <p:tnLst>
-      <p:par>
-        <p:cTn id="1" dur="indefinite" restart="never" nodeType="tmRoot"/>
-      </p:par>
-    </p:tnLst>
-  </p:timing>
-</p:sld>
-</file>
-
-<file path=ppt/slides/slide9.xml><?xml version="1.0" encoding="utf-8"?>
-<p:sld xmlns:a="http://schemas.openxmlformats.org/drawingml/2006/main" xmlns:r="http://schemas.openxmlformats.org/officeDocument/2006/relationships" xmlns:p="http://schemas.openxmlformats.org/presentationml/2006/main">
-  <p:cSld>
-    <p:spTree>
-      <p:nvGrpSpPr>
-        <p:cNvPr id="1" name=""/>
-        <p:cNvGrpSpPr/>
-        <p:nvPr/>
-      </p:nvGrpSpPr>
-      <p:grpSpPr>
-        <a:xfrm>
-          <a:off x="0" y="0"/>
-          <a:ext cx="0" cy="0"/>
-          <a:chOff x="0" y="0"/>
-          <a:chExt cx="0" cy="0"/>
-        </a:xfrm>
-      </p:grpSpPr>
-      <p:sp>
-        <p:nvSpPr>
-          <p:cNvPr id="3" name="عنوان 2"/>
-          <p:cNvSpPr>
-            <a:spLocks noGrp="1"/>
-          </p:cNvSpPr>
-          <p:nvPr>
-            <p:ph type="title"/>
-          </p:nvPr>
-        </p:nvSpPr>
-        <p:spPr/>
-        <p:txBody>
-          <a:bodyPr/>
-          <a:lstStyle/>
-          <a:p>
-            <a:r>
-              <a:rPr lang="en-US" dirty="0" smtClean="0"/>
-              <a:t>Research in West Bank</a:t>
-            </a:r>
-            <a:endParaRPr lang="ar-SA" dirty="0"/>
-          </a:p>
-        </p:txBody>
-      </p:sp>
-      <p:sp>
-        <p:nvSpPr>
-          <p:cNvPr id="4" name="عنصر نائب للمحتوى 3"/>
-          <p:cNvSpPr>
-            <a:spLocks noGrp="1"/>
-          </p:cNvSpPr>
-          <p:nvPr>
-            <p:ph idx="1"/>
-          </p:nvPr>
-        </p:nvSpPr>
-        <p:spPr/>
-        <p:txBody>
-          <a:bodyPr/>
-          <a:lstStyle/>
-          <a:p>
-            <a:pPr algn="l" rtl="0"/>
-            <a:r>
-              <a:rPr lang="en-US" dirty="0" smtClean="0"/>
-              <a:t>Descriptive researches</a:t>
-            </a:r>
-          </a:p>
-          <a:p>
-            <a:pPr algn="l" rtl="0"/>
-            <a:r>
-              <a:rPr lang="en-US" dirty="0" smtClean="0"/>
-              <a:t>Lack of facilities</a:t>
-            </a:r>
-          </a:p>
-          <a:p>
-            <a:pPr algn="l" rtl="0"/>
-            <a:r>
-              <a:rPr lang="en-US" dirty="0" smtClean="0"/>
-              <a:t>Lack of fund</a:t>
-            </a:r>
-            <a:endParaRPr lang="ar-SA" dirty="0"/>
-          </a:p>
-        </p:txBody>
-      </p:sp>
-    </p:spTree>
-  </p:cSld>
-  <p:clrMapOvr>
-    <a:masterClrMapping/>
-  </p:clrMapOvr>
-  <p:timing>
-    <p:tnLst>
-      <p:par>
-        <p:cTn id="1" dur="indefinite" restart="never" nodeType="tmRoot"/>
-      </p:par>
-    </p:tnLst>
-  </p:timing>
 </p:sld>
 </file>
 
